--- a/presentation.pptx
+++ b/presentation.pptx
@@ -42,7 +42,7 @@
     <p:sldId id="291" r:id="rId33"/>
   </p:sldIdLst>
   <p:sldSz cx="9144000" cy="6858000" type="screen4x3"/>
-  <p:notesSz cx="10234613" cy="7099300"/>
+  <p:notesSz cx="8686800" cy="6400800"/>
   <p:defaultTextStyle>
     <a:defPPr>
       <a:defRPr lang="zh-CN"/>
@@ -192,17 +192,17 @@
         <p:spPr>
           <a:xfrm>
             <a:off x="0" y="0"/>
-            <a:ext cx="4434999" cy="356609"/>
+            <a:ext cx="3764280" cy="321522"/>
           </a:xfrm>
           <a:prstGeom prst="rect">
             <a:avLst/>
           </a:prstGeom>
         </p:spPr>
         <p:txBody>
-          <a:bodyPr vert="horz" lIns="99048" tIns="49524" rIns="99048" bIns="49524" rtlCol="0"/>
+          <a:bodyPr vert="horz" lIns="86206" tIns="43103" rIns="86206" bIns="43103" rtlCol="0"/>
           <a:lstStyle>
             <a:lvl1pPr algn="l">
-              <a:defRPr sz="1300"/>
+              <a:defRPr sz="1100"/>
             </a:lvl1pPr>
           </a:lstStyle>
           <a:p>
@@ -222,18 +222,18 @@
         </p:nvSpPr>
         <p:spPr>
           <a:xfrm>
-            <a:off x="5797838" y="0"/>
-            <a:ext cx="4434999" cy="356609"/>
+            <a:off x="4921013" y="0"/>
+            <a:ext cx="3764280" cy="321522"/>
           </a:xfrm>
           <a:prstGeom prst="rect">
             <a:avLst/>
           </a:prstGeom>
         </p:spPr>
         <p:txBody>
-          <a:bodyPr vert="horz" lIns="99048" tIns="49524" rIns="99048" bIns="49524" rtlCol="0"/>
+          <a:bodyPr vert="horz" lIns="86206" tIns="43103" rIns="86206" bIns="43103" rtlCol="0"/>
           <a:lstStyle>
             <a:lvl1pPr algn="r">
-              <a:defRPr sz="1300"/>
+              <a:defRPr sz="1100"/>
             </a:lvl1pPr>
           </a:lstStyle>
           <a:p>
@@ -257,8 +257,8 @@
         </p:nvSpPr>
         <p:spPr>
           <a:xfrm>
-            <a:off x="3519488" y="887413"/>
-            <a:ext cx="3195637" cy="2395537"/>
+            <a:off x="2903538" y="800100"/>
+            <a:ext cx="2881312" cy="2160588"/>
           </a:xfrm>
           <a:prstGeom prst="rect">
             <a:avLst/>
@@ -271,7 +271,7 @@
           </a:ln>
         </p:spPr>
         <p:txBody>
-          <a:bodyPr vert="horz" lIns="99048" tIns="49524" rIns="99048" bIns="49524" rtlCol="0" anchor="ctr"/>
+          <a:bodyPr vert="horz" lIns="86206" tIns="43103" rIns="86206" bIns="43103" rtlCol="0" anchor="ctr"/>
           <a:lstStyle/>
           <a:p>
             <a:endParaRPr lang="zh-CN" altLang="en-US"/>
@@ -290,15 +290,15 @@
         </p:nvSpPr>
         <p:spPr>
           <a:xfrm>
-            <a:off x="1023462" y="3416539"/>
-            <a:ext cx="8187690" cy="2795349"/>
+            <a:off x="868680" y="3080387"/>
+            <a:ext cx="6949440" cy="2520314"/>
           </a:xfrm>
           <a:prstGeom prst="rect">
             <a:avLst/>
           </a:prstGeom>
         </p:spPr>
         <p:txBody>
-          <a:bodyPr vert="horz" lIns="99048" tIns="49524" rIns="99048" bIns="49524" rtlCol="0"/>
+          <a:bodyPr vert="horz" lIns="86206" tIns="43103" rIns="86206" bIns="43103" rtlCol="0"/>
           <a:lstStyle/>
           <a:p>
             <a:pPr lvl="0"/>
@@ -350,18 +350,18 @@
         </p:nvSpPr>
         <p:spPr>
           <a:xfrm>
-            <a:off x="0" y="6742693"/>
-            <a:ext cx="4434999" cy="356608"/>
+            <a:off x="0" y="6079279"/>
+            <a:ext cx="3764280" cy="321522"/>
           </a:xfrm>
           <a:prstGeom prst="rect">
             <a:avLst/>
           </a:prstGeom>
         </p:spPr>
         <p:txBody>
-          <a:bodyPr vert="horz" lIns="99048" tIns="49524" rIns="99048" bIns="49524" rtlCol="0" anchor="b"/>
+          <a:bodyPr vert="horz" lIns="86206" tIns="43103" rIns="86206" bIns="43103" rtlCol="0" anchor="b"/>
           <a:lstStyle>
             <a:lvl1pPr algn="l">
-              <a:defRPr sz="1300"/>
+              <a:defRPr sz="1100"/>
             </a:lvl1pPr>
           </a:lstStyle>
           <a:p>
@@ -381,18 +381,18 @@
         </p:nvSpPr>
         <p:spPr>
           <a:xfrm>
-            <a:off x="5797838" y="6742693"/>
-            <a:ext cx="4434999" cy="356608"/>
+            <a:off x="4921013" y="6079279"/>
+            <a:ext cx="3764280" cy="321522"/>
           </a:xfrm>
           <a:prstGeom prst="rect">
             <a:avLst/>
           </a:prstGeom>
         </p:spPr>
         <p:txBody>
-          <a:bodyPr vert="horz" lIns="99048" tIns="49524" rIns="99048" bIns="49524" rtlCol="0" anchor="b"/>
+          <a:bodyPr vert="horz" lIns="86206" tIns="43103" rIns="86206" bIns="43103" rtlCol="0" anchor="b"/>
           <a:lstStyle>
             <a:lvl1pPr algn="r">
-              <a:defRPr sz="1300"/>
+              <a:defRPr sz="1100"/>
             </a:lvl1pPr>
           </a:lstStyle>
           <a:p>
@@ -730,7 +730,7 @@
           <a:p>
             <a:fld id="{1D8BD707-D9CF-40AE-B4C6-C98DA3205C09}" type="datetimeFigureOut">
               <a:rPr lang="en-US"/>
-              <a:t>1/20/2016</a:t>
+              <a:t>1/22/2016</a:t>
             </a:fld>
             <a:endParaRPr lang="en-US"/>
           </a:p>
@@ -907,7 +907,7 @@
           <a:p>
             <a:fld id="{1D8BD707-D9CF-40AE-B4C6-C98DA3205C09}" type="datetimeFigureOut">
               <a:rPr lang="en-US"/>
-              <a:t>1/20/2016</a:t>
+              <a:t>1/22/2016</a:t>
             </a:fld>
             <a:endParaRPr lang="en-US"/>
           </a:p>
@@ -1245,7 +1245,7 @@
           <a:p>
             <a:fld id="{1D8BD707-D9CF-40AE-B4C6-C98DA3205C09}" type="datetimeFigureOut">
               <a:rPr lang="en-US"/>
-              <a:t>1/20/2016</a:t>
+              <a:t>1/22/2016</a:t>
             </a:fld>
             <a:endParaRPr lang="en-US"/>
           </a:p>
@@ -1393,7 +1393,7 @@
           <a:p>
             <a:fld id="{1D8BD707-D9CF-40AE-B4C6-C98DA3205C09}" type="datetimeFigureOut">
               <a:rPr lang="en-US"/>
-              <a:t>1/20/2016</a:t>
+              <a:t>1/22/2016</a:t>
             </a:fld>
             <a:endParaRPr lang="en-US"/>
           </a:p>
@@ -1636,7 +1636,7 @@
           <a:p>
             <a:fld id="{1D8BD707-D9CF-40AE-B4C6-C98DA3205C09}" type="datetimeFigureOut">
               <a:rPr lang="en-US"/>
-              <a:t>1/20/2016</a:t>
+              <a:t>1/22/2016</a:t>
             </a:fld>
             <a:endParaRPr lang="en-US"/>
           </a:p>
@@ -1919,7 +1919,7 @@
           <a:p>
             <a:fld id="{1D8BD707-D9CF-40AE-B4C6-C98DA3205C09}" type="datetimeFigureOut">
               <a:rPr lang="en-US"/>
-              <a:t>1/20/2016</a:t>
+              <a:t>1/22/2016</a:t>
             </a:fld>
             <a:endParaRPr lang="en-US"/>
           </a:p>
@@ -2803,8 +2803,8 @@
           </a:p>
         </p:txBody>
       </p:sp>
-      <mc:AlternateContent xmlns:mc="http://schemas.openxmlformats.org/markup-compatibility/2006">
-        <mc:Choice xmlns:a14="http://schemas.microsoft.com/office/drawing/2010/main" Requires="a14">
+      <mc:AlternateContent xmlns:mc="http://schemas.openxmlformats.org/markup-compatibility/2006" xmlns:a14="http://schemas.microsoft.com/office/drawing/2010/main">
+        <mc:Choice Requires="a14">
           <p:sp>
             <p:nvSpPr>
               <p:cNvPr id="8" name="矩形 7"/>
@@ -3161,7 +3161,7 @@
             </p:txBody>
           </p:sp>
         </mc:Choice>
-        <mc:Fallback>
+        <mc:Fallback xmlns="">
           <p:sp>
             <p:nvSpPr>
               <p:cNvPr id="8" name="矩形 7"/>
@@ -3982,8 +3982,8 @@
           </a:p>
         </p:txBody>
       </p:sp>
-      <mc:AlternateContent xmlns:mc="http://schemas.openxmlformats.org/markup-compatibility/2006">
-        <mc:Choice xmlns:a14="http://schemas.microsoft.com/office/drawing/2010/main" Requires="a14">
+      <mc:AlternateContent xmlns:mc="http://schemas.openxmlformats.org/markup-compatibility/2006" xmlns:a14="http://schemas.microsoft.com/office/drawing/2010/main">
+        <mc:Choice Requires="a14">
           <p:sp>
             <p:nvSpPr>
               <p:cNvPr id="11" name="文本框 10"/>
@@ -4092,6 +4092,7 @@
                 <a:endParaRPr lang="en-US" altLang="zh-CN" dirty="0" smtClean="0"/>
               </a:p>
               <a:p>
+                <a:pPr/>
                 <a14:m>
                   <m:oMathPara xmlns:m="http://schemas.openxmlformats.org/officeDocument/2006/math">
                     <m:oMathParaPr>
@@ -4420,6 +4421,7 @@
                 <a:endParaRPr lang="en-US" altLang="zh-CN" dirty="0" smtClean="0"/>
               </a:p>
               <a:p>
+                <a:pPr/>
                 <a14:m>
                   <m:oMathPara xmlns:m="http://schemas.openxmlformats.org/officeDocument/2006/math">
                     <m:oMathParaPr>
@@ -4682,6 +4684,7 @@
                 <a:endParaRPr lang="en-US" altLang="zh-CN" dirty="0" smtClean="0"/>
               </a:p>
               <a:p>
+                <a:pPr/>
                 <a14:m>
                   <m:oMathPara xmlns:m="http://schemas.openxmlformats.org/officeDocument/2006/math">
                     <m:oMathParaPr>
@@ -4878,6 +4881,7 @@
                 <a:endParaRPr lang="en-US" altLang="zh-CN" dirty="0" smtClean="0"/>
               </a:p>
               <a:p>
+                <a:pPr/>
                 <a14:m>
                   <m:oMathPara xmlns:m="http://schemas.openxmlformats.org/officeDocument/2006/math">
                     <m:oMathParaPr>
@@ -4990,7 +4994,6 @@
                   <a:rPr lang="zh-CN" altLang="en-US" dirty="0"/>
                   <a:t>复数除法即可，但是它没有考虑噪声的影响，在信噪比不高的情况下，估计精度不高。</a:t>
                 </a:r>
-                <a:endParaRPr lang="zh-CN" altLang="en-US" dirty="0"/>
               </a:p>
               <a:p>
                 <a:endParaRPr lang="zh-CN" altLang="en-US" sz="1600" dirty="0"/>
@@ -5004,7 +5007,7 @@
             </p:txBody>
           </p:sp>
         </mc:Choice>
-        <mc:Fallback>
+        <mc:Fallback xmlns="">
           <p:sp>
             <p:nvSpPr>
               <p:cNvPr id="11" name="文本框 10"/>
@@ -5292,8 +5295,8 @@
           </a:p>
         </p:txBody>
       </p:sp>
-      <mc:AlternateContent xmlns:mc="http://schemas.openxmlformats.org/markup-compatibility/2006">
-        <mc:Choice xmlns:a14="http://schemas.microsoft.com/office/drawing/2010/main" Requires="a14">
+      <mc:AlternateContent xmlns:mc="http://schemas.openxmlformats.org/markup-compatibility/2006" xmlns:a14="http://schemas.microsoft.com/office/drawing/2010/main">
+        <mc:Choice Requires="a14">
           <p:sp>
             <p:nvSpPr>
               <p:cNvPr id="10" name="文本框 9"/>
@@ -5351,6 +5354,7 @@
                 <a:endParaRPr lang="en-US" altLang="zh-CN" dirty="0" smtClean="0"/>
               </a:p>
               <a:p>
+                <a:pPr/>
                 <a14:m>
                   <m:oMathPara xmlns:m="http://schemas.openxmlformats.org/officeDocument/2006/math">
                     <m:oMathParaPr>
@@ -5741,6 +5745,7 @@
                 <a:endParaRPr lang="en-US" altLang="zh-CN" dirty="0" smtClean="0"/>
               </a:p>
               <a:p>
+                <a:pPr/>
                 <a14:m>
                   <m:oMathPara xmlns:m="http://schemas.openxmlformats.org/officeDocument/2006/math">
                     <m:oMathParaPr>
@@ -5987,6 +5992,7 @@
                 <a:endParaRPr lang="en-US" altLang="zh-CN" dirty="0" smtClean="0"/>
               </a:p>
               <a:p>
+                <a:pPr/>
                 <a14:m>
                   <m:oMathPara xmlns:m="http://schemas.openxmlformats.org/officeDocument/2006/math">
                     <m:oMathParaPr>
@@ -6129,6 +6135,7 @@
                 <a:endParaRPr lang="en-US" altLang="zh-CN" dirty="0" smtClean="0"/>
               </a:p>
               <a:p>
+                <a:pPr/>
                 <a14:m>
                   <m:oMathPara xmlns:m="http://schemas.openxmlformats.org/officeDocument/2006/math">
                     <m:oMathParaPr>
@@ -6571,9 +6578,9 @@
                   <a:rPr lang="zh-CN" altLang="en-US" dirty="0"/>
                   <a:t>信道估计的结果来表示：</a:t>
                 </a:r>
-                <a:endParaRPr lang="zh-CN" altLang="en-US" dirty="0"/>
               </a:p>
               <a:p>
+                <a:pPr/>
                 <a14:m>
                   <m:oMathPara xmlns:m="http://schemas.openxmlformats.org/officeDocument/2006/math">
                     <m:oMathParaPr>
@@ -6862,7 +6869,7 @@
             </p:txBody>
           </p:sp>
         </mc:Choice>
-        <mc:Fallback>
+        <mc:Fallback xmlns="">
           <p:sp>
             <p:nvSpPr>
               <p:cNvPr id="10" name="文本框 9"/>
@@ -7125,8 +7132,8 @@
           </a:p>
         </p:txBody>
       </p:sp>
-      <mc:AlternateContent xmlns:mc="http://schemas.openxmlformats.org/markup-compatibility/2006">
-        <mc:Choice xmlns:a14="http://schemas.microsoft.com/office/drawing/2010/main" Requires="a14">
+      <mc:AlternateContent xmlns:mc="http://schemas.openxmlformats.org/markup-compatibility/2006" xmlns:a14="http://schemas.microsoft.com/office/drawing/2010/main">
+        <mc:Choice Requires="a14">
           <p:sp>
             <p:nvSpPr>
               <p:cNvPr id="11" name="文本框 10"/>
@@ -7347,6 +7354,7 @@
                 <a:endParaRPr lang="en-US" altLang="zh-CN" dirty="0" smtClean="0"/>
               </a:p>
               <a:p>
+                <a:pPr/>
                 <a14:m>
                   <m:oMathPara xmlns:m="http://schemas.openxmlformats.org/officeDocument/2006/math">
                     <m:oMathParaPr>
@@ -7697,6 +7705,7 @@
                 <a:endParaRPr lang="en-US" altLang="zh-CN" dirty="0" smtClean="0"/>
               </a:p>
               <a:p>
+                <a:pPr/>
                 <a14:m>
                   <m:oMathPara xmlns:m="http://schemas.openxmlformats.org/officeDocument/2006/math">
                     <m:oMathParaPr>
@@ -7954,7 +7963,7 @@
             </p:txBody>
           </p:sp>
         </mc:Choice>
-        <mc:Fallback>
+        <mc:Fallback xmlns="">
           <p:sp>
             <p:nvSpPr>
               <p:cNvPr id="11" name="文本框 10"/>
@@ -8200,8 +8209,8 @@
           </a:p>
         </p:txBody>
       </p:sp>
-      <mc:AlternateContent xmlns:mc="http://schemas.openxmlformats.org/markup-compatibility/2006">
-        <mc:Choice xmlns:a14="http://schemas.microsoft.com/office/drawing/2010/main" Requires="a14">
+      <mc:AlternateContent xmlns:mc="http://schemas.openxmlformats.org/markup-compatibility/2006" xmlns:a14="http://schemas.microsoft.com/office/drawing/2010/main">
+        <mc:Choice Requires="a14">
           <p:sp>
             <p:nvSpPr>
               <p:cNvPr id="19" name="文本框 18"/>
@@ -8359,6 +8368,7 @@
                 <a:endParaRPr lang="en-US" altLang="zh-CN" dirty="0" smtClean="0"/>
               </a:p>
               <a:p>
+                <a:pPr/>
                 <a14:m>
                   <m:oMathPara xmlns:m="http://schemas.openxmlformats.org/officeDocument/2006/math">
                     <m:oMathParaPr>
@@ -9025,7 +9035,7 @@
             </p:txBody>
           </p:sp>
         </mc:Choice>
-        <mc:Fallback>
+        <mc:Fallback xmlns="">
           <p:sp>
             <p:nvSpPr>
               <p:cNvPr id="19" name="文本框 18"/>
@@ -10261,8 +10271,8 @@
           </a:p>
         </p:txBody>
       </p:sp>
-      <mc:AlternateContent xmlns:mc="http://schemas.openxmlformats.org/markup-compatibility/2006">
-        <mc:Choice xmlns:a14="http://schemas.microsoft.com/office/drawing/2010/main" Requires="a14">
+      <mc:AlternateContent xmlns:mc="http://schemas.openxmlformats.org/markup-compatibility/2006" xmlns:a14="http://schemas.microsoft.com/office/drawing/2010/main">
+        <mc:Choice Requires="a14">
           <p:sp>
             <p:nvSpPr>
               <p:cNvPr id="8" name="文本框 7"/>
@@ -10292,6 +10302,7 @@
                 <a:endParaRPr lang="en-US" altLang="zh-CN" dirty="0" smtClean="0"/>
               </a:p>
               <a:p>
+                <a:pPr/>
                 <a14:m>
                   <m:oMathPara xmlns:m="http://schemas.openxmlformats.org/officeDocument/2006/math">
                     <m:oMathParaPr>
@@ -10760,7 +10771,7 @@
             </p:txBody>
           </p:sp>
         </mc:Choice>
-        <mc:Fallback>
+        <mc:Fallback xmlns="">
           <p:sp>
             <p:nvSpPr>
               <p:cNvPr id="8" name="文本框 7"/>
@@ -10859,8 +10870,8 @@
           </a:p>
         </p:txBody>
       </p:sp>
-      <mc:AlternateContent xmlns:mc="http://schemas.openxmlformats.org/markup-compatibility/2006">
-        <mc:Choice xmlns:a14="http://schemas.microsoft.com/office/drawing/2010/main" Requires="a14">
+      <mc:AlternateContent xmlns:mc="http://schemas.openxmlformats.org/markup-compatibility/2006" xmlns:a14="http://schemas.microsoft.com/office/drawing/2010/main">
+        <mc:Choice Requires="a14">
           <p:sp>
             <p:nvSpPr>
               <p:cNvPr id="17" name="文本框 16"/>
@@ -10883,7 +10894,6 @@
               </a:bodyPr>
               <a:lstStyle/>
               <a:p>
-                <a:pPr/>
                 <a:r>
                   <a:rPr lang="zh-CN" altLang="en-US" dirty="0" smtClean="0">
                     <a:latin typeface="Cambria Math" panose="02040503050406030204" pitchFamily="18" charset="0"/>
@@ -11140,6 +11150,7 @@
                 <a:endParaRPr lang="en-US" altLang="zh-CN" dirty="0" smtClean="0"/>
               </a:p>
               <a:p>
+                <a:pPr/>
                 <a14:m>
                   <m:oMathPara xmlns:m="http://schemas.openxmlformats.org/officeDocument/2006/math">
                     <m:oMathParaPr>
@@ -11219,7 +11230,7 @@
             </p:txBody>
           </p:sp>
         </mc:Choice>
-        <mc:Fallback>
+        <mc:Fallback xmlns="">
           <p:sp>
             <p:nvSpPr>
               <p:cNvPr id="17" name="文本框 16"/>
@@ -11731,8 +11742,8 @@
           </a:p>
         </p:txBody>
       </p:sp>
-      <mc:AlternateContent xmlns:mc="http://schemas.openxmlformats.org/markup-compatibility/2006">
-        <mc:Choice xmlns:a14="http://schemas.microsoft.com/office/drawing/2010/main" Requires="a14">
+      <mc:AlternateContent xmlns:mc="http://schemas.openxmlformats.org/markup-compatibility/2006" xmlns:a14="http://schemas.microsoft.com/office/drawing/2010/main">
+        <mc:Choice Requires="a14">
           <p:sp>
             <p:nvSpPr>
               <p:cNvPr id="8" name="文本框 7"/>
@@ -11915,6 +11926,7 @@
                 <a:endParaRPr lang="en-US" altLang="zh-CN" b="0" dirty="0" smtClean="0"/>
               </a:p>
               <a:p>
+                <a:pPr/>
                 <a14:m>
                   <m:oMathPara xmlns:m="http://schemas.openxmlformats.org/officeDocument/2006/math">
                     <m:oMathParaPr>
@@ -12843,7 +12855,7 @@
             </p:txBody>
           </p:sp>
         </mc:Choice>
-        <mc:Fallback>
+        <mc:Fallback xmlns="">
           <p:sp>
             <p:nvSpPr>
               <p:cNvPr id="8" name="文本框 7"/>
@@ -13537,14 +13549,7 @@
                 <a:latin typeface="黑体" panose="02010609060101010101" pitchFamily="49" charset="-122"/>
                 <a:ea typeface="黑体" panose="02010609060101010101" pitchFamily="49" charset="-122"/>
               </a:rPr>
-              <a:t>功率</a:t>
-            </a:r>
-            <a:r>
-              <a:rPr lang="zh-CN" altLang="en-US" sz="2400" b="1" dirty="0">
-                <a:latin typeface="黑体" panose="02010609060101010101" pitchFamily="49" charset="-122"/>
-                <a:ea typeface="黑体" panose="02010609060101010101" pitchFamily="49" charset="-122"/>
-              </a:rPr>
-              <a:t>、速率、误比特率之间的关系</a:t>
+              <a:t>功率、速率、误比特率之间的关系</a:t>
             </a:r>
             <a:endParaRPr sz="2400" b="1" dirty="0">
               <a:latin typeface="黑体" panose="02010609060101010101" pitchFamily="49" charset="-122"/>
@@ -13578,8 +13583,8 @@
           </a:p>
         </p:txBody>
       </p:sp>
-      <mc:AlternateContent xmlns:mc="http://schemas.openxmlformats.org/markup-compatibility/2006">
-        <mc:Choice xmlns:a14="http://schemas.microsoft.com/office/drawing/2010/main" Requires="a14">
+      <mc:AlternateContent xmlns:mc="http://schemas.openxmlformats.org/markup-compatibility/2006" xmlns:a14="http://schemas.microsoft.com/office/drawing/2010/main">
+        <mc:Choice Requires="a14">
           <p:sp>
             <p:nvSpPr>
               <p:cNvPr id="8" name="文本框 7"/>
@@ -13870,9 +13875,9 @@
                   <a:rPr lang="zh-CN" altLang="en-US" dirty="0"/>
                   <a:t>有如下关系：</a:t>
                 </a:r>
-                <a:endParaRPr lang="zh-CN" altLang="en-US" dirty="0"/>
               </a:p>
               <a:p>
+                <a:pPr/>
                 <a14:m>
                   <m:oMathPara xmlns:m="http://schemas.openxmlformats.org/officeDocument/2006/math">
                     <m:oMathParaPr>
@@ -14064,6 +14069,7 @@
                 <a:endParaRPr lang="en-US" altLang="zh-CN" dirty="0" smtClean="0"/>
               </a:p>
               <a:p>
+                <a:pPr/>
                 <a14:m>
                   <m:oMathPara xmlns:m="http://schemas.openxmlformats.org/officeDocument/2006/math">
                     <m:oMathParaPr>
@@ -14346,6 +14352,7 @@
                 <a:endParaRPr lang="en-US" altLang="zh-CN" dirty="0" smtClean="0"/>
               </a:p>
               <a:p>
+                <a:pPr/>
                 <a14:m>
                   <m:oMathPara xmlns:m="http://schemas.openxmlformats.org/officeDocument/2006/math">
                     <m:oMathParaPr>
@@ -14452,7 +14459,7 @@
             </p:txBody>
           </p:sp>
         </mc:Choice>
-        <mc:Fallback>
+        <mc:Fallback xmlns="">
           <p:sp>
             <p:nvSpPr>
               <p:cNvPr id="8" name="文本框 7"/>
@@ -14733,8 +14740,8 @@
           </a:p>
         </p:txBody>
       </p:sp>
-      <mc:AlternateContent xmlns:mc="http://schemas.openxmlformats.org/markup-compatibility/2006">
-        <mc:Choice xmlns:a14="http://schemas.microsoft.com/office/drawing/2010/main" Requires="a14">
+      <mc:AlternateContent xmlns:mc="http://schemas.openxmlformats.org/markup-compatibility/2006" xmlns:a14="http://schemas.microsoft.com/office/drawing/2010/main">
+        <mc:Choice Requires="a14">
           <p:sp>
             <p:nvSpPr>
               <p:cNvPr id="8" name="文本框 7"/>
@@ -15097,6 +15104,7 @@
                 </a:r>
               </a:p>
               <a:p>
+                <a:pPr/>
                 <a14:m>
                   <m:oMathPara xmlns:m="http://schemas.openxmlformats.org/officeDocument/2006/math">
                     <m:oMathParaPr>
@@ -15538,6 +15546,7 @@
                 <a:endParaRPr lang="en-US" altLang="zh-CN" dirty="0" smtClean="0"/>
               </a:p>
               <a:p>
+                <a:pPr/>
                 <a14:m>
                   <m:oMathPara xmlns:m="http://schemas.openxmlformats.org/officeDocument/2006/math">
                     <m:oMathParaPr>
@@ -16005,7 +16014,7 @@
             </p:txBody>
           </p:sp>
         </mc:Choice>
-        <mc:Fallback>
+        <mc:Fallback xmlns="">
           <p:sp>
             <p:nvSpPr>
               <p:cNvPr id="8" name="文本框 7"/>
@@ -16279,8 +16288,8 @@
           </a:p>
         </p:txBody>
       </p:sp>
-      <mc:AlternateContent xmlns:mc="http://schemas.openxmlformats.org/markup-compatibility/2006">
-        <mc:Choice xmlns:a14="http://schemas.microsoft.com/office/drawing/2010/main" Requires="a14">
+      <mc:AlternateContent xmlns:mc="http://schemas.openxmlformats.org/markup-compatibility/2006" xmlns:a14="http://schemas.microsoft.com/office/drawing/2010/main">
+        <mc:Choice Requires="a14">
           <p:sp>
             <p:nvSpPr>
               <p:cNvPr id="8" name="文本框 7"/>
@@ -16545,11 +16554,7 @@
               <a:p>
                 <a:r>
                   <a:rPr lang="zh-CN" altLang="en-US" b="1" dirty="0"/>
-                  <a:t>步</a:t>
-                </a:r>
-                <a:r>
-                  <a:rPr lang="zh-CN" altLang="en-US" b="1" dirty="0"/>
-                  <a:t>骤</a:t>
+                  <a:t>步骤</a:t>
                 </a:r>
                 <a:r>
                   <a:rPr lang="en-US" altLang="zh-CN" b="1" dirty="0"/>
@@ -16664,6 +16669,7 @@
                 <a:endParaRPr lang="en-US" altLang="zh-CN" dirty="0" smtClean="0"/>
               </a:p>
               <a:p>
+                <a:pPr/>
                 <a14:m>
                   <m:oMathPara xmlns:m="http://schemas.openxmlformats.org/officeDocument/2006/math">
                     <m:oMathParaPr>
@@ -16841,6 +16847,7 @@
                 <a:endParaRPr lang="en-US" altLang="zh-CN" b="0" dirty="0" smtClean="0"/>
               </a:p>
               <a:p>
+                <a:pPr/>
                 <a14:m>
                   <m:oMathPara xmlns:m="http://schemas.openxmlformats.org/officeDocument/2006/math">
                     <m:oMathParaPr>
@@ -16938,6 +16945,7 @@
                 <a:endParaRPr lang="zh-CN" altLang="en-US" dirty="0"/>
               </a:p>
               <a:p>
+                <a:pPr/>
                 <a14:m>
                   <m:oMathPara xmlns:m="http://schemas.openxmlformats.org/officeDocument/2006/math">
                     <m:oMathParaPr>
@@ -17363,6 +17371,7 @@
                 <a:endParaRPr lang="en-US" altLang="zh-CN" dirty="0" smtClean="0"/>
               </a:p>
               <a:p>
+                <a:pPr/>
                 <a14:m>
                   <m:oMathPara xmlns:m="http://schemas.openxmlformats.org/officeDocument/2006/math">
                     <m:oMathParaPr>
@@ -17601,11 +17610,7 @@
                 </a:r>
                 <a:r>
                   <a:rPr lang="zh-CN" altLang="en-US" dirty="0"/>
-                  <a:t>，</a:t>
-                </a:r>
-                <a:r>
-                  <a:rPr lang="zh-CN" altLang="en-US" dirty="0"/>
-                  <a:t>令</a:t>
+                  <a:t>，令</a:t>
                 </a:r>
                 <a14:m>
                   <m:oMath xmlns:m="http://schemas.openxmlformats.org/officeDocument/2006/math">
@@ -17783,7 +17788,7 @@
             </p:txBody>
           </p:sp>
         </mc:Choice>
-        <mc:Fallback>
+        <mc:Fallback xmlns="">
           <p:sp>
             <p:nvSpPr>
               <p:cNvPr id="8" name="文本框 7"/>
@@ -18025,10 +18030,6 @@
               </a:rPr>
               <a:t>算法</a:t>
             </a:r>
-            <a:endParaRPr lang="zh-CN" altLang="en-US" sz="2400" b="1" dirty="0">
-              <a:latin typeface="黑体" panose="02010609060101010101" pitchFamily="49" charset="-122"/>
-              <a:ea typeface="黑体" panose="02010609060101010101" pitchFamily="49" charset="-122"/>
-            </a:endParaRPr>
           </a:p>
         </p:txBody>
       </p:sp>
@@ -18057,8 +18058,8 @@
           </a:p>
         </p:txBody>
       </p:sp>
-      <mc:AlternateContent xmlns:mc="http://schemas.openxmlformats.org/markup-compatibility/2006">
-        <mc:Choice xmlns:a14="http://schemas.microsoft.com/office/drawing/2010/main" Requires="a14">
+      <mc:AlternateContent xmlns:mc="http://schemas.openxmlformats.org/markup-compatibility/2006" xmlns:a14="http://schemas.microsoft.com/office/drawing/2010/main">
+        <mc:Choice Requires="a14">
           <p:sp>
             <p:nvSpPr>
               <p:cNvPr id="8" name="文本框 7"/>
@@ -18144,6 +18145,7 @@
                 </a:r>
               </a:p>
               <a:p>
+                <a:pPr/>
                 <a14:m>
                   <m:oMathPara xmlns:m="http://schemas.openxmlformats.org/officeDocument/2006/math">
                     <m:oMathParaPr>
@@ -18626,6 +18628,7 @@
                 </a:r>
               </a:p>
               <a:p>
+                <a:pPr/>
                 <a14:m>
                   <m:oMathPara xmlns:m="http://schemas.openxmlformats.org/officeDocument/2006/math">
                     <m:oMathParaPr>
@@ -18769,7 +18772,6 @@
                 <a:endParaRPr lang="zh-CN" altLang="en-US" dirty="0"/>
               </a:p>
               <a:p>
-                <a:pPr/>
                 <a:r>
                   <a:rPr lang="zh-CN" altLang="en-US" dirty="0"/>
                   <a:t>令</a:t>
@@ -19455,12 +19457,11 @@
                   <a:rPr lang="zh-CN" altLang="en-US" dirty="0"/>
                   <a:t>表示额定功率。</a:t>
                 </a:r>
-                <a:endParaRPr lang="zh-CN" altLang="en-US" dirty="0"/>
               </a:p>
             </p:txBody>
           </p:sp>
         </mc:Choice>
-        <mc:Fallback>
+        <mc:Fallback xmlns="">
           <p:sp>
             <p:nvSpPr>
               <p:cNvPr id="8" name="文本框 7"/>
@@ -19702,10 +19703,6 @@
               </a:rPr>
               <a:t>算法</a:t>
             </a:r>
-            <a:endParaRPr lang="zh-CN" altLang="en-US" sz="2400" b="1" dirty="0">
-              <a:latin typeface="黑体" panose="02010609060101010101" pitchFamily="49" charset="-122"/>
-              <a:ea typeface="黑体" panose="02010609060101010101" pitchFamily="49" charset="-122"/>
-            </a:endParaRPr>
           </a:p>
         </p:txBody>
       </p:sp>
@@ -19744,8 +19741,8 @@
             </p:nvSpPr>
             <p:spPr>
               <a:xfrm>
-                <a:off x="381000" y="1274857"/>
-                <a:ext cx="8610600" cy="4824719"/>
+                <a:off x="533400" y="1274857"/>
+                <a:ext cx="8382000" cy="4547720"/>
               </a:xfrm>
               <a:prstGeom prst="rect">
                 <a:avLst/>
@@ -19759,12 +19756,8 @@
               <a:lstStyle/>
               <a:p>
                 <a:r>
-                  <a:rPr lang="zh-CN" altLang="en-US" b="1" dirty="0"/>
-                  <a:t>步</a:t>
-                </a:r>
-                <a:r>
-                  <a:rPr lang="zh-CN" altLang="en-US" b="1" dirty="0"/>
-                  <a:t>骤</a:t>
+                  <a:rPr lang="zh-CN" altLang="en-US" b="1" dirty="0" smtClean="0"/>
+                  <a:t>步骤</a:t>
                 </a:r>
                 <a:r>
                   <a:rPr lang="en-US" altLang="zh-CN" b="1" dirty="0"/>
@@ -19979,7 +19972,7 @@
                     <m:sSup>
                       <m:sSupPr>
                         <m:ctrlPr>
-                          <a:rPr lang="zh-CN" altLang="en-US" i="1">
+                          <a:rPr lang="zh-CN" altLang="en-US" i="1" smtClean="0">
                             <a:latin typeface="Cambria Math" panose="02040503050406030204" pitchFamily="18" charset="0"/>
                           </a:rPr>
                         </m:ctrlPr>
@@ -20045,6 +20038,7 @@
                 <a:endParaRPr lang="en-US" altLang="zh-CN" dirty="0" smtClean="0"/>
               </a:p>
               <a:p>
+                <a:pPr/>
                 <a14:m>
                   <m:oMathPara xmlns:m="http://schemas.openxmlformats.org/officeDocument/2006/math">
                     <m:oMathParaPr>
@@ -20785,7 +20779,7 @@
                     <m:sSub>
                       <m:sSubPr>
                         <m:ctrlPr>
-                          <a:rPr lang="zh-CN" altLang="en-US" i="1" smtClean="0">
+                          <a:rPr lang="zh-CN" altLang="en-US" i="1">
                             <a:latin typeface="Cambria Math" panose="02040503050406030204" pitchFamily="18" charset="0"/>
                           </a:rPr>
                         </m:ctrlPr>
@@ -20811,67 +20805,65 @@
                       <a:rPr lang="zh-CN" altLang="en-US" i="1">
                         <a:latin typeface="Cambria Math" panose="02040503050406030204" pitchFamily="18" charset="0"/>
                       </a:rPr>
-                      <m:t>，则跳转到</m:t>
-                    </m:r>
-                    <m:r>
-                      <a:rPr lang="zh-CN" altLang="en-US" i="1" smtClean="0">
-                        <a:latin typeface="Cambria Math" panose="02040503050406030204" pitchFamily="18" charset="0"/>
-                      </a:rPr>
-                      <m:t>下一步</m:t>
+                      <m:t>，则跳</m:t>
                     </m:r>
                     <m:r>
                       <a:rPr lang="zh-CN" altLang="en-US" b="0" i="1" smtClean="0">
                         <a:latin typeface="Cambria Math" panose="02040503050406030204" pitchFamily="18" charset="0"/>
                       </a:rPr>
-                      <m:t>，否</m:t>
+                      <m:t>转，</m:t>
                     </m:r>
                     <m:r>
                       <a:rPr lang="zh-CN" altLang="en-US" i="1">
                         <a:latin typeface="Cambria Math" panose="02040503050406030204" pitchFamily="18" charset="0"/>
                       </a:rPr>
+                      <m:t>否</m:t>
+                    </m:r>
+                    <m:r>
+                      <a:rPr lang="zh-CN" altLang="en-US" b="0" i="1" smtClean="0">
+                        <a:latin typeface="Cambria Math" panose="02040503050406030204" pitchFamily="18" charset="0"/>
+                      </a:rPr>
                       <m:t>则</m:t>
                     </m:r>
                     <m:r>
-                      <a:rPr lang="zh-CN" altLang="en-US" i="1" smtClean="0">
+                      <a:rPr lang="zh-CN" altLang="en-US" i="1">
                         <a:latin typeface="Cambria Math" panose="02040503050406030204" pitchFamily="18" charset="0"/>
                       </a:rPr>
-                      <m:t>进行</m:t>
+                      <m:t>调整</m:t>
                     </m:r>
                   </m:oMath>
                 </a14:m>
+                <a:r>
+                  <a:rPr lang="zh-CN" altLang="en-US" dirty="0" smtClean="0"/>
+                  <a:t>。</a:t>
+                </a:r>
                 <a:endParaRPr lang="en-US" altLang="zh-CN" dirty="0" smtClean="0"/>
               </a:p>
               <a:p>
                 <a:r>
+                  <a:rPr lang="zh-CN" altLang="en-US" b="1" dirty="0"/>
+                  <a:t>步骤</a:t>
+                </a:r>
+                <a:r>
+                  <a:rPr lang="en-US" altLang="zh-CN" b="1" dirty="0"/>
+                  <a:t>6</a:t>
+                </a:r>
+                <a:r>
                   <a:rPr lang="zh-CN" altLang="en-US" dirty="0" smtClean="0"/>
-                  <a:t>调制。</a:t>
+                  <a:t>：最后</a:t>
+                </a:r>
+                <a:r>
+                  <a:rPr lang="zh-CN" altLang="en-US" dirty="0"/>
+                  <a:t>根据各个子载波上分配的比特数，按下式计算各子载波上应该分配的功率</a:t>
+                </a:r>
+                <a:r>
+                  <a:rPr lang="zh-CN" altLang="en-US" dirty="0" smtClean="0"/>
+                  <a:t>：</a:t>
                 </a:r>
                 <a:endParaRPr lang="en-US" altLang="zh-CN" dirty="0" smtClean="0"/>
               </a:p>
               <a:p>
-                <a:r>
-                  <a:rPr lang="zh-CN" altLang="en-US" b="1" dirty="0"/>
-                  <a:t>步骤</a:t>
-                </a:r>
-                <a:r>
-                  <a:rPr lang="en-US" altLang="zh-CN" b="1" dirty="0"/>
-                  <a:t>6</a:t>
-                </a:r>
-                <a:r>
-                  <a:rPr lang="zh-CN" altLang="en-US" dirty="0" smtClean="0"/>
-                  <a:t>：最后</a:t>
-                </a:r>
-                <a:r>
-                  <a:rPr lang="zh-CN" altLang="en-US" dirty="0"/>
-                  <a:t>根据各个子载波上分配的比特数，按下式计算各子载波上应该分配的功率</a:t>
-                </a:r>
-                <a:r>
-                  <a:rPr lang="zh-CN" altLang="en-US" dirty="0" smtClean="0"/>
-                  <a:t>：</a:t>
-                </a:r>
-                <a:endParaRPr lang="en-US" altLang="zh-CN" dirty="0" smtClean="0"/>
-              </a:p>
-              <a:p>
+                <a:pPr/>
                 <a14:m>
                   <m:oMathPara xmlns:m="http://schemas.openxmlformats.org/officeDocument/2006/math">
                     <m:oMathParaPr>
@@ -21214,8 +21206,8 @@
             </p:nvSpPr>
             <p:spPr>
               <a:xfrm>
-                <a:off x="381000" y="1274857"/>
-                <a:ext cx="8610600" cy="4824719"/>
+                <a:off x="533400" y="1274857"/>
+                <a:ext cx="8382000" cy="4547720"/>
               </a:xfrm>
               <a:prstGeom prst="rect">
                 <a:avLst/>
@@ -21223,7 +21215,7 @@
               <a:blipFill rotWithShape="0">
                 <a:blip r:embed="rId4"/>
                 <a:stretch>
-                  <a:fillRect l="-637" t="-1010"/>
+                  <a:fillRect l="-655" t="-1072" r="-2400"/>
                 </a:stretch>
               </a:blipFill>
             </p:spPr>
@@ -21746,10 +21738,6 @@
               </a:rPr>
               <a:t>算法</a:t>
             </a:r>
-            <a:endParaRPr lang="zh-CN" altLang="en-US" sz="2400" b="1" dirty="0">
-              <a:latin typeface="黑体" panose="02010609060101010101" pitchFamily="49" charset="-122"/>
-              <a:ea typeface="黑体" panose="02010609060101010101" pitchFamily="49" charset="-122"/>
-            </a:endParaRPr>
           </a:p>
         </p:txBody>
       </p:sp>
@@ -21807,8 +21795,8 @@
           </a:p>
         </p:txBody>
       </p:sp>
-      <mc:AlternateContent xmlns:mc="http://schemas.openxmlformats.org/markup-compatibility/2006">
-        <mc:Choice xmlns:a14="http://schemas.microsoft.com/office/drawing/2010/main" Requires="a14">
+      <mc:AlternateContent xmlns:mc="http://schemas.openxmlformats.org/markup-compatibility/2006" xmlns:a14="http://schemas.microsoft.com/office/drawing/2010/main">
+        <mc:Choice Requires="a14">
           <p:sp>
             <p:nvSpPr>
               <p:cNvPr id="10" name="文本框 9"/>
@@ -21901,6 +21889,7 @@
                 <a:endParaRPr lang="en-US" altLang="zh-CN" dirty="0" smtClean="0"/>
               </a:p>
               <a:p>
+                <a:pPr/>
                 <a14:m>
                   <m:oMathPara xmlns:m="http://schemas.openxmlformats.org/officeDocument/2006/math">
                     <m:oMathParaPr>
@@ -22410,6 +22399,7 @@
                 <a:endParaRPr lang="en-US" altLang="zh-CN" dirty="0" smtClean="0"/>
               </a:p>
               <a:p>
+                <a:pPr/>
                 <a14:m>
                   <m:oMathPara xmlns:m="http://schemas.openxmlformats.org/officeDocument/2006/math">
                     <m:oMathParaPr>
@@ -22874,6 +22864,7 @@
                 <a:endParaRPr lang="en-US" altLang="zh-CN" dirty="0" smtClean="0"/>
               </a:p>
               <a:p>
+                <a:pPr/>
                 <a14:m>
                   <m:oMathPara xmlns:m="http://schemas.openxmlformats.org/officeDocument/2006/math">
                     <m:oMathParaPr>
@@ -23171,7 +23162,7 @@
             </p:txBody>
           </p:sp>
         </mc:Choice>
-        <mc:Fallback>
+        <mc:Fallback xmlns="">
           <p:sp>
             <p:nvSpPr>
               <p:cNvPr id="10" name="文本框 9"/>
@@ -23463,10 +23454,6 @@
               </a:rPr>
               <a:t>算法</a:t>
             </a:r>
-            <a:endParaRPr lang="zh-CN" altLang="en-US" sz="2400" b="1" dirty="0">
-              <a:latin typeface="黑体" panose="02010609060101010101" pitchFamily="49" charset="-122"/>
-              <a:ea typeface="黑体" panose="02010609060101010101" pitchFamily="49" charset="-122"/>
-            </a:endParaRPr>
           </a:p>
         </p:txBody>
       </p:sp>
@@ -23826,10 +23813,6 @@
               </a:rPr>
               <a:t>算法</a:t>
             </a:r>
-            <a:endParaRPr lang="zh-CN" altLang="en-US" sz="2400" b="1" dirty="0">
-              <a:latin typeface="黑体" panose="02010609060101010101" pitchFamily="49" charset="-122"/>
-              <a:ea typeface="黑体" panose="02010609060101010101" pitchFamily="49" charset="-122"/>
-            </a:endParaRPr>
           </a:p>
         </p:txBody>
       </p:sp>
@@ -24298,21 +24281,7 @@
                 <a:latin typeface="黑体" panose="02010609060101010101" pitchFamily="49" charset="-122"/>
                 <a:ea typeface="黑体" panose="02010609060101010101" pitchFamily="49" charset="-122"/>
               </a:rPr>
-              <a:t>发射</a:t>
-            </a:r>
-            <a:r>
-              <a:rPr lang="zh-CN" altLang="en-US" sz="2400" b="1" dirty="0">
-                <a:latin typeface="黑体" panose="02010609060101010101" pitchFamily="49" charset="-122"/>
-                <a:ea typeface="黑体" panose="02010609060101010101" pitchFamily="49" charset="-122"/>
-              </a:rPr>
-              <a:t>端</a:t>
-            </a:r>
-            <a:r>
-              <a:rPr lang="zh-CN" altLang="en-US" sz="2400" b="1" dirty="0">
-                <a:latin typeface="黑体" panose="02010609060101010101" pitchFamily="49" charset="-122"/>
-                <a:ea typeface="黑体" panose="02010609060101010101" pitchFamily="49" charset="-122"/>
-              </a:rPr>
-              <a:t>时序图</a:t>
+              <a:t>发射端时序图</a:t>
             </a:r>
           </a:p>
         </p:txBody>
@@ -24996,10 +24965,6 @@
               </a:rPr>
               <a:t>接收端框架图</a:t>
             </a:r>
-            <a:endParaRPr lang="zh-CN" altLang="en-US" sz="2400" b="1" dirty="0">
-              <a:latin typeface="黑体" panose="02010609060101010101" pitchFamily="49" charset="-122"/>
-              <a:ea typeface="黑体" panose="02010609060101010101" pitchFamily="49" charset="-122"/>
-            </a:endParaRPr>
           </a:p>
         </p:txBody>
       </p:sp>
@@ -25114,10 +25079,6 @@
               </a:rPr>
               <a:t>接收端时序图</a:t>
             </a:r>
-            <a:endParaRPr lang="zh-CN" altLang="en-US" sz="2400" b="1" dirty="0">
-              <a:latin typeface="黑体" panose="02010609060101010101" pitchFamily="49" charset="-122"/>
-              <a:ea typeface="黑体" panose="02010609060101010101" pitchFamily="49" charset="-122"/>
-            </a:endParaRPr>
           </a:p>
         </p:txBody>
       </p:sp>
@@ -25376,19 +25337,8 @@
                 <a:latin typeface="黑体" panose="02010609060101010101" pitchFamily="49" charset="-122"/>
                 <a:ea typeface="黑体" panose="02010609060101010101" pitchFamily="49" charset="-122"/>
               </a:rPr>
-              <a:t>实际</a:t>
-            </a:r>
-            <a:r>
-              <a:rPr lang="zh-CN" altLang="en-US" sz="2400" b="1" dirty="0">
-                <a:latin typeface="黑体" panose="02010609060101010101" pitchFamily="49" charset="-122"/>
-                <a:ea typeface="黑体" panose="02010609060101010101" pitchFamily="49" charset="-122"/>
-              </a:rPr>
-              <a:t>系统展示</a:t>
-            </a:r>
-            <a:endParaRPr lang="zh-CN" altLang="en-US" sz="2400" b="1" dirty="0">
-              <a:latin typeface="黑体" panose="02010609060101010101" pitchFamily="49" charset="-122"/>
-              <a:ea typeface="黑体" panose="02010609060101010101" pitchFamily="49" charset="-122"/>
-            </a:endParaRPr>
+              <a:t>实际系统展示</a:t>
+            </a:r>
           </a:p>
         </p:txBody>
       </p:sp>
@@ -26349,11 +26299,7 @@
             </a:r>
             <a:r>
               <a:rPr lang="zh-CN" altLang="en-US" sz="1600" dirty="0" smtClean="0"/>
-              <a:t>之间</a:t>
-            </a:r>
-            <a:r>
-              <a:rPr lang="zh-CN" altLang="en-US" sz="1600" dirty="0" smtClean="0"/>
-              <a:t>加入了</a:t>
+              <a:t>之间加入了</a:t>
             </a:r>
             <a:r>
               <a:rPr lang="zh-CN" altLang="en-US" sz="1600" dirty="0"/>
@@ -26482,15 +26428,7 @@
             </a:r>
             <a:r>
               <a:rPr lang="zh-CN" altLang="en-US" sz="1600" dirty="0" smtClean="0"/>
-              <a:t>，有</a:t>
-            </a:r>
-            <a:r>
-              <a:rPr lang="zh-CN" altLang="en-US" sz="1600" dirty="0" smtClean="0"/>
-              <a:t>光照时电子和空穴高速碰撞晶格原子，产生“雪崩”效应</a:t>
-            </a:r>
-            <a:r>
-              <a:rPr lang="zh-CN" altLang="en-US" sz="1600" dirty="0" smtClean="0"/>
-              <a:t>形成很大</a:t>
+              <a:t>，有光照时电子和空穴高速碰撞晶格原子，产生“雪崩”效应形成很大</a:t>
             </a:r>
             <a:r>
               <a:rPr lang="zh-CN" altLang="en-US" sz="1600" dirty="0"/>
@@ -27083,15 +27021,7 @@
                 <a:ea typeface="黑体" panose="02010609060101010101" pitchFamily="49" charset="-122"/>
                 <a:sym typeface="宋体" panose="02010600030101010101" pitchFamily="2" charset="-122"/>
               </a:rPr>
-              <a:t>可见光信道</a:t>
-            </a:r>
-            <a:r>
-              <a:rPr lang="zh-CN" altLang="en-US" sz="2400" b="1" dirty="0" smtClean="0">
-                <a:latin typeface="黑体" panose="02010609060101010101" pitchFamily="49" charset="-122"/>
-                <a:ea typeface="黑体" panose="02010609060101010101" pitchFamily="49" charset="-122"/>
-                <a:sym typeface="宋体" panose="02010600030101010101" pitchFamily="2" charset="-122"/>
-              </a:rPr>
-              <a:t>特性</a:t>
+              <a:t>可见光信道特性</a:t>
             </a:r>
             <a:endParaRPr lang="en-US" altLang="zh-CN" sz="2400" b="1" dirty="0" smtClean="0">
               <a:latin typeface="黑体" panose="02010609060101010101" pitchFamily="49" charset="-122"/>
